--- a/Slides/Lesson 1.3 Object-Oriented Principles.pptx
+++ b/Slides/Lesson 1.3 Object-Oriented Principles.pptx
@@ -270,7 +270,7 @@
           <a:p>
             <a:fld id="{7C7E5181-6CF5-45F7-A87A-E0E0B1FD7549}" type="datetimeFigureOut">
               <a:rPr lang="en-US" smtClean="0"/>
-              <a:t>1/9/2022</a:t>
+              <a:t>1/13/2022</a:t>
             </a:fld>
             <a:endParaRPr lang="en-US"/>
           </a:p>
@@ -710,7 +710,7 @@
                 </a:solidFill>
                 <a:latin typeface="Ink Free" panose="03080402000500000000" pitchFamily="66" charset="0"/>
               </a:rPr>
-              <a:t> it's hooked up too.  It only cares that it's a correct </a:t>
+              <a:t> it's hooked up too.  It only cares that it’s hooked up to a correct </a:t>
             </a:r>
             <a:r>
               <a:rPr lang="en-US" b="0" dirty="0" err="1">
@@ -728,7 +728,7 @@
                 </a:solidFill>
                 <a:latin typeface="Ink Free" panose="03080402000500000000" pitchFamily="66" charset="0"/>
               </a:rPr>
-              <a:t>, i.e.,  that sending it a </a:t>
+              <a:t>, i.e.,  that sending the sensor a </a:t>
             </a:r>
             <a:r>
               <a:rPr lang="en-US" b="0" dirty="0" err="1">
@@ -1353,7 +1353,15 @@
           <a:p>
             <a:r>
               <a:rPr lang="en-US" dirty="0"/>
-              <a:t>Here’s an example.  We have an interface called Interface1, which keeps a counter.   We have two requirement that are unchecked by the compiler.</a:t>
+              <a:t>Here’s an example.  We have an interface called Interface1, which keeps a counter.   We have two requirement </a:t>
+            </a:r>
+            <a:r>
+              <a:rPr lang="en-US" dirty="0" err="1"/>
+              <a:t>sthat</a:t>
+            </a:r>
+            <a:r>
+              <a:rPr lang="en-US" dirty="0"/>
+              <a:t> are unchecked by the compiler.</a:t>
             </a:r>
           </a:p>
           <a:p>
@@ -1510,7 +1518,7 @@
             </a:r>
             <a:r>
               <a:rPr lang="en-US" dirty="0"/>
-              <a:t> to return an odd number.   So this is not really a correct implementation of Interface1, even though the compiler accepts it as such.</a:t>
+              <a:t> to return an odd number.   So Class2 is not really a correct implementation of Interface1, even though the compiler accepts it as such, because its invariant might be violated.</a:t>
             </a:r>
           </a:p>
         </p:txBody>
@@ -3077,7 +3085,7 @@
           <a:p>
             <a:r>
               <a:rPr lang="en-US" dirty="0"/>
-              <a:t>The answer is yes:  Interfaces are for classes that share an interface– that is, they advertise exactly the same  capabilities to the world.</a:t>
+              <a:t>The answer is yes:  Interfaces are for classes that share an interface– that is, they advertise the same  capabilities to the world.</a:t>
             </a:r>
           </a:p>
           <a:p>
@@ -3373,7 +3381,23 @@
           <a:p>
             <a:r>
               <a:rPr lang="en-US" dirty="0"/>
-              <a:t>Clock Factories were a different story.  They all offer the same interface, but they also have code in common.  They all keep track of </a:t>
+              <a:t>On the other hand, here are some clock factories.  We start, as usual, by writing down the interface </a:t>
+            </a:r>
+            <a:r>
+              <a:rPr lang="en-US" dirty="0" err="1"/>
+              <a:t>AbsClockFactory</a:t>
+            </a:r>
+            <a:r>
+              <a:rPr lang="en-US" dirty="0"/>
+              <a:t>.  The interface says that a clock factory has 3 methods:  instance(), which returns a clock, </a:t>
+            </a:r>
+            <a:r>
+              <a:rPr lang="en-US" dirty="0" err="1"/>
+              <a:t>clockType</a:t>
+            </a:r>
+            <a:r>
+              <a:rPr lang="en-US" dirty="0"/>
+              <a:t>(), which returns a string (note that there’s no requirement that the string have anything to do with the kind of clock the factory is creating), and </a:t>
             </a:r>
             <a:r>
               <a:rPr lang="en-US" dirty="0" err="1"/>
@@ -3381,7 +3405,24 @@
             </a:r>
             <a:r>
               <a:rPr lang="en-US" dirty="0"/>
-              <a:t>, and they all do this in exactly the same way.</a:t>
+              <a:t>(), which returns the number of clocks that this factory has created since it was built.</a:t>
+            </a:r>
+          </a:p>
+          <a:p>
+            <a:endParaRPr lang="en-US" dirty="0"/>
+          </a:p>
+          <a:p>
+            <a:r>
+              <a:rPr lang="en-US" dirty="0"/>
+              <a:t>Now  here are 3 clock factories.  They all offer the same interface, but they also have code in common.  They all keep track of </a:t>
+            </a:r>
+            <a:r>
+              <a:rPr lang="en-US" dirty="0" err="1"/>
+              <a:t>numCreated</a:t>
+            </a:r>
+            <a:r>
+              <a:rPr lang="en-US" dirty="0"/>
+              <a:t>, and they all do this in exactly the same way.  Here we’ve marked the common code in yellow.</a:t>
             </a:r>
           </a:p>
         </p:txBody>
@@ -3816,7 +3857,7 @@
           <a:p>
             <a:r>
               <a:rPr lang="en-US" dirty="0"/>
-              <a:t>If you open up a book on object-oriented programming, you are likely to see words like these, which are very popular in the Object-Oriented Community.  Unfortunately, if you dive into them, you’ll see that they are pretty vague (what, for example, is the difference between encapsulation and modularity?).  More to the point, they are a list of properties that your code should have, but they don’t give much guidance about how to attain them.   We’ve formulated our principles in the style of “Five Practices of Good Object-Oriented Programmers.”</a:t>
+              <a:t>If you open up a book on object-oriented programming, you are likely to see words like these, which are very popular in the Object-Oriented Community.  Unfortunately, if you dive into them, you’ll see that they are pretty vague (what, for example, is the difference between encapsulation and modularity?).  More to the point, they are a list of properties that your code should have, but they don’t give much guidance about how to attain them.   We’ve formulated our principles as practices you can employ to write good code in the first place.</a:t>
             </a:r>
           </a:p>
         </p:txBody>
@@ -4116,7 +4157,76 @@
           <a:p>
             <a:r>
               <a:rPr lang="en-US" dirty="0"/>
-              <a:t>&lt;explain interface, ‘implements’&gt;</a:t>
+              <a:t>In Typescript, an interface describes objects, not classes.   So when we say “</a:t>
+            </a:r>
+            <a:r>
+              <a:rPr lang="en-US" dirty="0" err="1"/>
+              <a:t>CartesianPoint</a:t>
+            </a:r>
+            <a:r>
+              <a:rPr lang="en-US" dirty="0"/>
+              <a:t> implements </a:t>
+            </a:r>
+            <a:r>
+              <a:rPr lang="en-US" dirty="0" err="1"/>
+              <a:t>AbsPoint</a:t>
+            </a:r>
+            <a:r>
+              <a:rPr lang="en-US" dirty="0"/>
+              <a:t>”, we mean that any object of class </a:t>
+            </a:r>
+            <a:r>
+              <a:rPr lang="en-US" dirty="0" err="1"/>
+              <a:t>CartesianPoint</a:t>
+            </a:r>
+            <a:r>
+              <a:rPr lang="en-US" dirty="0"/>
+              <a:t> will satisfy the interface </a:t>
+            </a:r>
+            <a:r>
+              <a:rPr lang="en-US" dirty="0" err="1"/>
+              <a:t>AbsPoint</a:t>
+            </a:r>
+            <a:r>
+              <a:rPr lang="en-US" dirty="0"/>
+              <a:t>.  That is, it will have methods </a:t>
+            </a:r>
+            <a:r>
+              <a:rPr lang="en-US" dirty="0" err="1"/>
+              <a:t>getx</a:t>
+            </a:r>
+            <a:r>
+              <a:rPr lang="en-US" dirty="0"/>
+              <a:t> and </a:t>
+            </a:r>
+            <a:r>
+              <a:rPr lang="en-US" dirty="0" err="1"/>
+              <a:t>gety</a:t>
+            </a:r>
+            <a:r>
+              <a:rPr lang="en-US" dirty="0"/>
+              <a:t> that return the x and y coordinates of the point.</a:t>
+            </a:r>
+          </a:p>
+          <a:p>
+            <a:endParaRPr lang="en-US" dirty="0"/>
+          </a:p>
+          <a:p>
+            <a:r>
+              <a:rPr lang="en-US" dirty="0" err="1"/>
+              <a:t>PolarPoint</a:t>
+            </a:r>
+            <a:r>
+              <a:rPr lang="en-US" dirty="0"/>
+              <a:t> also implements </a:t>
+            </a:r>
+            <a:r>
+              <a:rPr lang="en-US" dirty="0" err="1"/>
+              <a:t>AbsPoint</a:t>
+            </a:r>
+            <a:r>
+              <a:rPr lang="en-US" dirty="0"/>
+              <a:t>, but in a different way:  it keeps the point in polar coordinates, but if you ask about the x or y coordinates of the point, it will compute the proper value.</a:t>
             </a:r>
           </a:p>
           <a:p>
@@ -4151,7 +4261,7 @@
             </a:pPr>
             <a:r>
               <a:rPr lang="en-US" dirty="0"/>
-              <a:t>Here we’ve used </a:t>
+              <a:t>Here we’ve used the name </a:t>
             </a:r>
             <a:r>
               <a:rPr lang="en-US" dirty="0" err="1"/>
@@ -4159,7 +4269,7 @@
             </a:r>
             <a:r>
               <a:rPr lang="en-US" dirty="0"/>
-              <a:t> to indicate an abstract point. This is Professor Wand’s naming convention.  As with other naming conventions, you should use whatever naming convention is in use in your workplace or  project.</a:t>
+              <a:t> to indicate an abstract point. This is Professor Wand’s naming convention.  You don’t have to use it.  As with other naming conventions, you should use whatever naming convention is in use in your workplace or  project.</a:t>
             </a:r>
           </a:p>
           <a:p>
@@ -4956,7 +5066,7 @@
           <a:p>
             <a:fld id="{5D2A64DE-480B-420F-9649-4F8E696E08E0}" type="datetime1">
               <a:rPr lang="en-US" smtClean="0"/>
-              <a:t>1/9/2022</a:t>
+              <a:t>1/13/2022</a:t>
             </a:fld>
             <a:endParaRPr lang="en-US"/>
           </a:p>
@@ -5280,7 +5390,7 @@
           <a:p>
             <a:fld id="{EA476A42-A091-4468-A075-64A31BE59948}" type="datetime1">
               <a:rPr lang="en-US" smtClean="0"/>
-              <a:t>1/9/2022</a:t>
+              <a:t>1/13/2022</a:t>
             </a:fld>
             <a:endParaRPr lang="en-US"/>
           </a:p>
@@ -5478,7 +5588,7 @@
           <a:p>
             <a:fld id="{0D3616D0-8311-4107-9726-6B805E7D05BA}" type="datetime1">
               <a:rPr lang="en-US" smtClean="0"/>
-              <a:t>1/9/2022</a:t>
+              <a:t>1/13/2022</a:t>
             </a:fld>
             <a:endParaRPr lang="en-US"/>
           </a:p>
@@ -5686,7 +5796,7 @@
           <a:p>
             <a:fld id="{3BC2557A-5C88-417A-A763-5AC779462A5F}" type="datetime1">
               <a:rPr lang="en-US" smtClean="0"/>
-              <a:t>1/9/2022</a:t>
+              <a:t>1/13/2022</a:t>
             </a:fld>
             <a:endParaRPr lang="en-US"/>
           </a:p>
@@ -6210,7 +6320,7 @@
           <a:p>
             <a:fld id="{07C7BFD4-467E-4EDE-93EA-052F5B39A4E5}" type="datetime1">
               <a:rPr lang="en-US" smtClean="0"/>
-              <a:t>1/9/2022</a:t>
+              <a:t>1/13/2022</a:t>
             </a:fld>
             <a:endParaRPr lang="en-US"/>
           </a:p>
@@ -6460,7 +6570,7 @@
           <a:p>
             <a:fld id="{07C7BFD4-467E-4EDE-93EA-052F5B39A4E5}" type="datetime1">
               <a:rPr lang="en-US" smtClean="0"/>
-              <a:t>1/9/2022</a:t>
+              <a:t>1/13/2022</a:t>
             </a:fld>
             <a:endParaRPr lang="en-US"/>
           </a:p>
@@ -6773,7 +6883,7 @@
           <a:p>
             <a:fld id="{A533CBE2-D5BE-47AC-ADC2-9CDFC1D0CF90}" type="datetime1">
               <a:rPr lang="en-US" smtClean="0"/>
-              <a:t>1/9/2022</a:t>
+              <a:t>1/13/2022</a:t>
             </a:fld>
             <a:endParaRPr lang="en-US"/>
           </a:p>
@@ -7074,7 +7184,7 @@
           <a:p>
             <a:fld id="{39B7EDB1-CE74-4951-85A2-0B01C2128E28}" type="datetime1">
               <a:rPr lang="en-US" smtClean="0"/>
-              <a:t>1/9/2022</a:t>
+              <a:t>1/13/2022</a:t>
             </a:fld>
             <a:endParaRPr lang="en-US"/>
           </a:p>
@@ -7522,7 +7632,7 @@
           <a:p>
             <a:fld id="{2BC7EB92-A5C2-4807-A9DC-9EDE6CBFB241}" type="datetime1">
               <a:rPr lang="en-US" smtClean="0"/>
-              <a:t>1/9/2022</a:t>
+              <a:t>1/13/2022</a:t>
             </a:fld>
             <a:endParaRPr lang="en-US"/>
           </a:p>
@@ -7668,7 +7778,7 @@
           <a:p>
             <a:fld id="{109E55A0-C911-4F03-82FC-7E5926047D46}" type="datetime1">
               <a:rPr lang="en-US" smtClean="0"/>
-              <a:t>1/9/2022</a:t>
+              <a:t>1/13/2022</a:t>
             </a:fld>
             <a:endParaRPr lang="en-US"/>
           </a:p>
@@ -7817,7 +7927,7 @@
           <a:p>
             <a:fld id="{2B7B7EE0-7771-4CD5-9B2B-3550753A54A1}" type="datetime1">
               <a:rPr lang="en-US" smtClean="0"/>
-              <a:t>1/9/2022</a:t>
+              <a:t>1/13/2022</a:t>
             </a:fld>
             <a:endParaRPr lang="en-US"/>
           </a:p>
@@ -8128,7 +8238,7 @@
           <a:p>
             <a:fld id="{F8B318B3-0E87-4416-A9B8-D891968C2727}" type="datetime1">
               <a:rPr lang="en-US" smtClean="0"/>
-              <a:t>1/9/2022</a:t>
+              <a:t>1/13/2022</a:t>
             </a:fld>
             <a:endParaRPr lang="en-US"/>
           </a:p>
@@ -8369,7 +8479,7 @@
           <a:p>
             <a:fld id="{54D997E8-DDEE-43F1-8D9B-F8A1E11DE488}" type="datetime1">
               <a:rPr lang="en-US" smtClean="0"/>
-              <a:t>1/9/2022</a:t>
+              <a:t>1/13/2022</a:t>
             </a:fld>
             <a:endParaRPr lang="en-US"/>
           </a:p>
@@ -20692,7 +20802,12 @@
             <p:ph idx="1"/>
           </p:nvPr>
         </p:nvSpPr>
-        <p:spPr/>
+        <p:spPr>
+          <a:xfrm>
+            <a:off x="5055615" y="1503934"/>
+            <a:ext cx="5266255" cy="4351338"/>
+          </a:xfrm>
+        </p:spPr>
         <p:txBody>
           <a:bodyPr/>
           <a:lstStyle/>
@@ -26311,41 +26426,41 @@
                 <a:effectLst/>
                 <a:latin typeface="Consolas" panose="020B0609020204030204" pitchFamily="49" charset="0"/>
               </a:rPr>
-              <a:t>    </a:t>
+              <a:t>   </a:t>
+            </a:r>
+            <a:r>
+              <a:rPr lang="en-US" b="0" dirty="0">
+                <a:solidFill>
+                  <a:srgbClr val="795E26"/>
+                </a:solidFill>
+                <a:effectLst/>
+                <a:latin typeface="Consolas" panose="020B0609020204030204" pitchFamily="49" charset="0"/>
+              </a:rPr>
+              <a:t> instance</a:t>
+            </a:r>
+            <a:r>
+              <a:rPr lang="en-US" b="0" dirty="0">
+                <a:solidFill>
+                  <a:srgbClr val="000000"/>
+                </a:solidFill>
+                <a:effectLst/>
+                <a:latin typeface="Consolas" panose="020B0609020204030204" pitchFamily="49" charset="0"/>
+              </a:rPr>
+              <a:t>() : </a:t>
             </a:r>
             <a:r>
               <a:rPr lang="en-US" b="0" dirty="0" err="1">
                 <a:solidFill>
-                  <a:srgbClr val="001080"/>
-                </a:solidFill>
-                <a:effectLst/>
-                <a:latin typeface="Consolas" panose="020B0609020204030204" pitchFamily="49" charset="0"/>
-              </a:rPr>
-              <a:t>clockType</a:t>
-            </a:r>
-            <a:r>
-              <a:rPr lang="en-US" b="0" dirty="0">
-                <a:solidFill>
-                  <a:srgbClr val="000000"/>
-                </a:solidFill>
-                <a:effectLst/>
-                <a:latin typeface="Consolas" panose="020B0609020204030204" pitchFamily="49" charset="0"/>
-              </a:rPr>
-              <a:t> : </a:t>
-            </a:r>
-            <a:r>
-              <a:rPr lang="en-US" b="0" dirty="0">
-                <a:solidFill>
                   <a:srgbClr val="267F99"/>
                 </a:solidFill>
                 <a:effectLst/>
                 <a:latin typeface="Consolas" panose="020B0609020204030204" pitchFamily="49" charset="0"/>
               </a:rPr>
-              <a:t>string</a:t>
+              <a:t>AbsClock</a:t>
             </a:r>
             <a:endParaRPr lang="en-US" b="0" dirty="0">
               <a:solidFill>
-                <a:srgbClr val="000000"/>
+                <a:srgbClr val="267F99"/>
               </a:solidFill>
               <a:effectLst/>
               <a:latin typeface="Consolas" panose="020B0609020204030204" pitchFamily="49" charset="0"/>
@@ -26353,54 +26468,63 @@
           </a:p>
           <a:p>
             <a:r>
-              <a:rPr lang="en-US" b="0" dirty="0">
-                <a:solidFill>
-                  <a:srgbClr val="000000"/>
-                </a:solidFill>
-                <a:effectLst/>
-                <a:latin typeface="Consolas" panose="020B0609020204030204" pitchFamily="49" charset="0"/>
-              </a:rPr>
-              <a:t>    </a:t>
-            </a:r>
-            <a:r>
-              <a:rPr lang="en-US" b="0" dirty="0">
-                <a:solidFill>
-                  <a:srgbClr val="795E26"/>
-                </a:solidFill>
-                <a:effectLst/>
-                <a:latin typeface="Consolas" panose="020B0609020204030204" pitchFamily="49" charset="0"/>
-              </a:rPr>
-              <a:t>instance</a:t>
-            </a:r>
-            <a:r>
-              <a:rPr lang="en-US" b="0" dirty="0">
-                <a:solidFill>
-                  <a:srgbClr val="000000"/>
-                </a:solidFill>
-                <a:effectLst/>
-                <a:latin typeface="Consolas" panose="020B0609020204030204" pitchFamily="49" charset="0"/>
-              </a:rPr>
-              <a:t>() : </a:t>
+              <a:rPr lang="en-US" dirty="0">
+                <a:solidFill>
+                  <a:srgbClr val="267F99"/>
+                </a:solidFill>
+                <a:latin typeface="Consolas" panose="020B0609020204030204" pitchFamily="49" charset="0"/>
+              </a:rPr>
+              <a:t>  </a:t>
+            </a:r>
+            <a:r>
+              <a:rPr lang="en-US" b="0" dirty="0">
+                <a:solidFill>
+                  <a:srgbClr val="000000"/>
+                </a:solidFill>
+                <a:effectLst/>
+                <a:latin typeface="Consolas" panose="020B0609020204030204" pitchFamily="49" charset="0"/>
+              </a:rPr>
+              <a:t>  </a:t>
             </a:r>
             <a:r>
               <a:rPr lang="en-US" b="0" dirty="0" err="1">
                 <a:solidFill>
+                  <a:srgbClr val="001080"/>
+                </a:solidFill>
+                <a:effectLst/>
+                <a:latin typeface="Consolas" panose="020B0609020204030204" pitchFamily="49" charset="0"/>
+              </a:rPr>
+              <a:t>clockType</a:t>
+            </a:r>
+            <a:r>
+              <a:rPr lang="en-US" b="0" dirty="0">
+                <a:solidFill>
+                  <a:srgbClr val="000000"/>
+                </a:solidFill>
+                <a:effectLst/>
+                <a:latin typeface="Consolas" panose="020B0609020204030204" pitchFamily="49" charset="0"/>
+              </a:rPr>
+              <a:t> : </a:t>
+            </a:r>
+            <a:r>
+              <a:rPr lang="en-US" b="0" dirty="0">
+                <a:solidFill>
                   <a:srgbClr val="267F99"/>
                 </a:solidFill>
                 <a:effectLst/>
                 <a:latin typeface="Consolas" panose="020B0609020204030204" pitchFamily="49" charset="0"/>
               </a:rPr>
-              <a:t>AbsClock</a:t>
-            </a:r>
-            <a:r>
-              <a:rPr lang="en-US" b="0" dirty="0">
-                <a:solidFill>
-                  <a:srgbClr val="000000"/>
-                </a:solidFill>
-                <a:effectLst/>
-                <a:latin typeface="Consolas" panose="020B0609020204030204" pitchFamily="49" charset="0"/>
-              </a:rPr>
-              <a:t> </a:t>
+              <a:t>string</a:t>
+            </a:r>
+            <a:r>
+              <a:rPr lang="en-US" b="0" dirty="0">
+                <a:solidFill>
+                  <a:srgbClr val="000000"/>
+                </a:solidFill>
+                <a:effectLst/>
+                <a:latin typeface="Consolas" panose="020B0609020204030204" pitchFamily="49" charset="0"/>
+              </a:rPr>
+              <a:t>     </a:t>
             </a:r>
           </a:p>
           <a:p>

--- a/Slides/Lesson 1.3 Object-Oriented Principles.pptx
+++ b/Slides/Lesson 1.3 Object-Oriented Principles.pptx
@@ -270,7 +270,7 @@
           <a:p>
             <a:fld id="{7C7E5181-6CF5-45F7-A87A-E0E0B1FD7549}" type="datetimeFigureOut">
               <a:rPr lang="en-US" smtClean="0"/>
-              <a:t>1/13/2022</a:t>
+              <a:t>1/13/22</a:t>
             </a:fld>
             <a:endParaRPr lang="en-US"/>
           </a:p>
@@ -5066,7 +5066,7 @@
           <a:p>
             <a:fld id="{5D2A64DE-480B-420F-9649-4F8E696E08E0}" type="datetime1">
               <a:rPr lang="en-US" smtClean="0"/>
-              <a:t>1/13/2022</a:t>
+              <a:t>1/13/22</a:t>
             </a:fld>
             <a:endParaRPr lang="en-US"/>
           </a:p>
@@ -5390,7 +5390,7 @@
           <a:p>
             <a:fld id="{EA476A42-A091-4468-A075-64A31BE59948}" type="datetime1">
               <a:rPr lang="en-US" smtClean="0"/>
-              <a:t>1/13/2022</a:t>
+              <a:t>1/13/22</a:t>
             </a:fld>
             <a:endParaRPr lang="en-US"/>
           </a:p>
@@ -5588,7 +5588,7 @@
           <a:p>
             <a:fld id="{0D3616D0-8311-4107-9726-6B805E7D05BA}" type="datetime1">
               <a:rPr lang="en-US" smtClean="0"/>
-              <a:t>1/13/2022</a:t>
+              <a:t>1/13/22</a:t>
             </a:fld>
             <a:endParaRPr lang="en-US"/>
           </a:p>
@@ -5796,7 +5796,7 @@
           <a:p>
             <a:fld id="{3BC2557A-5C88-417A-A763-5AC779462A5F}" type="datetime1">
               <a:rPr lang="en-US" smtClean="0"/>
-              <a:t>1/13/2022</a:t>
+              <a:t>1/13/22</a:t>
             </a:fld>
             <a:endParaRPr lang="en-US"/>
           </a:p>
@@ -6320,7 +6320,7 @@
           <a:p>
             <a:fld id="{07C7BFD4-467E-4EDE-93EA-052F5B39A4E5}" type="datetime1">
               <a:rPr lang="en-US" smtClean="0"/>
-              <a:t>1/13/2022</a:t>
+              <a:t>1/13/22</a:t>
             </a:fld>
             <a:endParaRPr lang="en-US"/>
           </a:p>
@@ -6570,7 +6570,7 @@
           <a:p>
             <a:fld id="{07C7BFD4-467E-4EDE-93EA-052F5B39A4E5}" type="datetime1">
               <a:rPr lang="en-US" smtClean="0"/>
-              <a:t>1/13/2022</a:t>
+              <a:t>1/13/22</a:t>
             </a:fld>
             <a:endParaRPr lang="en-US"/>
           </a:p>
@@ -6883,7 +6883,7 @@
           <a:p>
             <a:fld id="{A533CBE2-D5BE-47AC-ADC2-9CDFC1D0CF90}" type="datetime1">
               <a:rPr lang="en-US" smtClean="0"/>
-              <a:t>1/13/2022</a:t>
+              <a:t>1/13/22</a:t>
             </a:fld>
             <a:endParaRPr lang="en-US"/>
           </a:p>
@@ -7184,7 +7184,7 @@
           <a:p>
             <a:fld id="{39B7EDB1-CE74-4951-85A2-0B01C2128E28}" type="datetime1">
               <a:rPr lang="en-US" smtClean="0"/>
-              <a:t>1/13/2022</a:t>
+              <a:t>1/13/22</a:t>
             </a:fld>
             <a:endParaRPr lang="en-US"/>
           </a:p>
@@ -7632,7 +7632,7 @@
           <a:p>
             <a:fld id="{2BC7EB92-A5C2-4807-A9DC-9EDE6CBFB241}" type="datetime1">
               <a:rPr lang="en-US" smtClean="0"/>
-              <a:t>1/13/2022</a:t>
+              <a:t>1/13/22</a:t>
             </a:fld>
             <a:endParaRPr lang="en-US"/>
           </a:p>
@@ -7778,7 +7778,7 @@
           <a:p>
             <a:fld id="{109E55A0-C911-4F03-82FC-7E5926047D46}" type="datetime1">
               <a:rPr lang="en-US" smtClean="0"/>
-              <a:t>1/13/2022</a:t>
+              <a:t>1/13/22</a:t>
             </a:fld>
             <a:endParaRPr lang="en-US"/>
           </a:p>
@@ -7927,7 +7927,7 @@
           <a:p>
             <a:fld id="{2B7B7EE0-7771-4CD5-9B2B-3550753A54A1}" type="datetime1">
               <a:rPr lang="en-US" smtClean="0"/>
-              <a:t>1/13/2022</a:t>
+              <a:t>1/13/22</a:t>
             </a:fld>
             <a:endParaRPr lang="en-US"/>
           </a:p>
@@ -8238,7 +8238,7 @@
           <a:p>
             <a:fld id="{F8B318B3-0E87-4416-A9B8-D891968C2727}" type="datetime1">
               <a:rPr lang="en-US" smtClean="0"/>
-              <a:t>1/13/2022</a:t>
+              <a:t>1/13/22</a:t>
             </a:fld>
             <a:endParaRPr lang="en-US"/>
           </a:p>
@@ -8479,7 +8479,7 @@
           <a:p>
             <a:fld id="{54D997E8-DDEE-43F1-8D9B-F8A1E11DE488}" type="datetime1">
               <a:rPr lang="en-US" smtClean="0"/>
-              <a:t>1/13/2022</a:t>
+              <a:t>1/13/22</a:t>
             </a:fld>
             <a:endParaRPr lang="en-US"/>
           </a:p>
@@ -8927,7 +8927,7 @@
               <a:rPr lang="en-US" altLang="en-US" sz="3200" dirty="0">
                 <a:sym typeface="Helvetica Neue" charset="0"/>
               </a:rPr>
-              <a:t>CS 4350: Fundamentals of Software Engineering</a:t>
+              <a:t>CS 4530: Fundamentals of Software Engineering</a:t>
             </a:r>
             <a:br>
               <a:rPr lang="en-US" altLang="en-US" sz="3200" dirty="0">

--- a/Slides/Lesson 1.3 Object-Oriented Principles.pptx
+++ b/Slides/Lesson 1.3 Object-Oriented Principles.pptx
@@ -270,7 +270,7 @@
           <a:p>
             <a:fld id="{7C7E5181-6CF5-45F7-A87A-E0E0B1FD7549}" type="datetimeFigureOut">
               <a:rPr lang="en-US" smtClean="0"/>
-              <a:t>1/13/22</a:t>
+              <a:t>1/19/2022</a:t>
             </a:fld>
             <a:endParaRPr lang="en-US"/>
           </a:p>
@@ -5066,7 +5066,7 @@
           <a:p>
             <a:fld id="{5D2A64DE-480B-420F-9649-4F8E696E08E0}" type="datetime1">
               <a:rPr lang="en-US" smtClean="0"/>
-              <a:t>1/13/22</a:t>
+              <a:t>1/19/2022</a:t>
             </a:fld>
             <a:endParaRPr lang="en-US"/>
           </a:p>
@@ -5390,7 +5390,7 @@
           <a:p>
             <a:fld id="{EA476A42-A091-4468-A075-64A31BE59948}" type="datetime1">
               <a:rPr lang="en-US" smtClean="0"/>
-              <a:t>1/13/22</a:t>
+              <a:t>1/19/2022</a:t>
             </a:fld>
             <a:endParaRPr lang="en-US"/>
           </a:p>
@@ -5588,7 +5588,7 @@
           <a:p>
             <a:fld id="{0D3616D0-8311-4107-9726-6B805E7D05BA}" type="datetime1">
               <a:rPr lang="en-US" smtClean="0"/>
-              <a:t>1/13/22</a:t>
+              <a:t>1/19/2022</a:t>
             </a:fld>
             <a:endParaRPr lang="en-US"/>
           </a:p>
@@ -5796,7 +5796,7 @@
           <a:p>
             <a:fld id="{3BC2557A-5C88-417A-A763-5AC779462A5F}" type="datetime1">
               <a:rPr lang="en-US" smtClean="0"/>
-              <a:t>1/13/22</a:t>
+              <a:t>1/19/2022</a:t>
             </a:fld>
             <a:endParaRPr lang="en-US"/>
           </a:p>
@@ -6320,7 +6320,7 @@
           <a:p>
             <a:fld id="{07C7BFD4-467E-4EDE-93EA-052F5B39A4E5}" type="datetime1">
               <a:rPr lang="en-US" smtClean="0"/>
-              <a:t>1/13/22</a:t>
+              <a:t>1/19/2022</a:t>
             </a:fld>
             <a:endParaRPr lang="en-US"/>
           </a:p>
@@ -6570,7 +6570,7 @@
           <a:p>
             <a:fld id="{07C7BFD4-467E-4EDE-93EA-052F5B39A4E5}" type="datetime1">
               <a:rPr lang="en-US" smtClean="0"/>
-              <a:t>1/13/22</a:t>
+              <a:t>1/19/2022</a:t>
             </a:fld>
             <a:endParaRPr lang="en-US"/>
           </a:p>
@@ -6883,7 +6883,7 @@
           <a:p>
             <a:fld id="{A533CBE2-D5BE-47AC-ADC2-9CDFC1D0CF90}" type="datetime1">
               <a:rPr lang="en-US" smtClean="0"/>
-              <a:t>1/13/22</a:t>
+              <a:t>1/19/2022</a:t>
             </a:fld>
             <a:endParaRPr lang="en-US"/>
           </a:p>
@@ -7184,7 +7184,7 @@
           <a:p>
             <a:fld id="{39B7EDB1-CE74-4951-85A2-0B01C2128E28}" type="datetime1">
               <a:rPr lang="en-US" smtClean="0"/>
-              <a:t>1/13/22</a:t>
+              <a:t>1/19/2022</a:t>
             </a:fld>
             <a:endParaRPr lang="en-US"/>
           </a:p>
@@ -7632,7 +7632,7 @@
           <a:p>
             <a:fld id="{2BC7EB92-A5C2-4807-A9DC-9EDE6CBFB241}" type="datetime1">
               <a:rPr lang="en-US" smtClean="0"/>
-              <a:t>1/13/22</a:t>
+              <a:t>1/19/2022</a:t>
             </a:fld>
             <a:endParaRPr lang="en-US"/>
           </a:p>
@@ -7778,7 +7778,7 @@
           <a:p>
             <a:fld id="{109E55A0-C911-4F03-82FC-7E5926047D46}" type="datetime1">
               <a:rPr lang="en-US" smtClean="0"/>
-              <a:t>1/13/22</a:t>
+              <a:t>1/19/2022</a:t>
             </a:fld>
             <a:endParaRPr lang="en-US"/>
           </a:p>
@@ -7927,7 +7927,7 @@
           <a:p>
             <a:fld id="{2B7B7EE0-7771-4CD5-9B2B-3550753A54A1}" type="datetime1">
               <a:rPr lang="en-US" smtClean="0"/>
-              <a:t>1/13/22</a:t>
+              <a:t>1/19/2022</a:t>
             </a:fld>
             <a:endParaRPr lang="en-US"/>
           </a:p>
@@ -8238,7 +8238,7 @@
           <a:p>
             <a:fld id="{F8B318B3-0E87-4416-A9B8-D891968C2727}" type="datetime1">
               <a:rPr lang="en-US" smtClean="0"/>
-              <a:t>1/13/22</a:t>
+              <a:t>1/19/2022</a:t>
             </a:fld>
             <a:endParaRPr lang="en-US"/>
           </a:p>
@@ -8479,7 +8479,7 @@
           <a:p>
             <a:fld id="{54D997E8-DDEE-43F1-8D9B-F8A1E11DE488}" type="datetime1">
               <a:rPr lang="en-US" smtClean="0"/>
-              <a:t>1/13/22</a:t>
+              <a:t>1/19/2022</a:t>
             </a:fld>
             <a:endParaRPr lang="en-US"/>
           </a:p>
@@ -8927,7 +8927,7 @@
               <a:rPr lang="en-US" altLang="en-US" sz="3200" dirty="0">
                 <a:sym typeface="Helvetica Neue" charset="0"/>
               </a:rPr>
-              <a:t>CS 4530: Fundamentals of Software Engineering</a:t>
+              <a:t>CS 4350: Fundamentals of Software Engineering</a:t>
             </a:r>
             <a:br>
               <a:rPr lang="en-US" altLang="en-US" sz="3200" dirty="0">
@@ -19922,7 +19922,47 @@
                 <a:effectLst/>
                 <a:latin typeface="Consolas" panose="020B0609020204030204" pitchFamily="49" charset="0"/>
               </a:rPr>
-              <a:t> {</a:t>
+              <a:t> </a:t>
+            </a:r>
+            <a:r>
+              <a:rPr lang="en-US" sz="2000" b="0" dirty="0">
+                <a:solidFill>
+                  <a:srgbClr val="0000FF"/>
+                </a:solidFill>
+                <a:effectLst/>
+                <a:latin typeface="Consolas" panose="020B0609020204030204" pitchFamily="49" charset="0"/>
+              </a:rPr>
+              <a:t>implements</a:t>
+            </a:r>
+            <a:r>
+              <a:rPr lang="en-US" sz="2000" b="0" dirty="0">
+                <a:solidFill>
+                  <a:srgbClr val="000000"/>
+                </a:solidFill>
+                <a:effectLst/>
+                <a:latin typeface="Consolas" panose="020B0609020204030204" pitchFamily="49" charset="0"/>
+              </a:rPr>
+              <a:t> </a:t>
+            </a:r>
+            <a:r>
+              <a:rPr lang="en-US" sz="2000" b="0" dirty="0">
+                <a:solidFill>
+                  <a:srgbClr val="267F99"/>
+                </a:solidFill>
+                <a:effectLst/>
+                <a:latin typeface="Consolas" panose="020B0609020204030204" pitchFamily="49" charset="0"/>
+              </a:rPr>
+              <a:t>Shape </a:t>
+            </a:r>
+            <a:r>
+              <a:rPr lang="en-US" sz="2000" b="0" dirty="0">
+                <a:solidFill>
+                  <a:srgbClr val="000000"/>
+                </a:solidFill>
+                <a:effectLst/>
+                <a:latin typeface="Consolas" panose="020B0609020204030204" pitchFamily="49" charset="0"/>
+              </a:rPr>
+              <a:t>{</a:t>
             </a:r>
           </a:p>
           <a:p>
@@ -20258,7 +20298,47 @@
                 <a:effectLst/>
                 <a:latin typeface="Consolas" panose="020B0609020204030204" pitchFamily="49" charset="0"/>
               </a:rPr>
-              <a:t> {</a:t>
+              <a:t> </a:t>
+            </a:r>
+            <a:r>
+              <a:rPr lang="en-US" sz="2000" b="0" dirty="0">
+                <a:solidFill>
+                  <a:srgbClr val="0000FF"/>
+                </a:solidFill>
+                <a:effectLst/>
+                <a:latin typeface="Consolas" panose="020B0609020204030204" pitchFamily="49" charset="0"/>
+              </a:rPr>
+              <a:t>implements</a:t>
+            </a:r>
+            <a:r>
+              <a:rPr lang="en-US" sz="2000" b="0" dirty="0">
+                <a:solidFill>
+                  <a:srgbClr val="000000"/>
+                </a:solidFill>
+                <a:effectLst/>
+                <a:latin typeface="Consolas" panose="020B0609020204030204" pitchFamily="49" charset="0"/>
+              </a:rPr>
+              <a:t> </a:t>
+            </a:r>
+            <a:r>
+              <a:rPr lang="en-US" sz="2000" b="0" dirty="0">
+                <a:solidFill>
+                  <a:srgbClr val="267F99"/>
+                </a:solidFill>
+                <a:effectLst/>
+                <a:latin typeface="Consolas" panose="020B0609020204030204" pitchFamily="49" charset="0"/>
+              </a:rPr>
+              <a:t>Shape </a:t>
+            </a:r>
+            <a:r>
+              <a:rPr lang="en-US" sz="2000" b="0" dirty="0">
+                <a:solidFill>
+                  <a:srgbClr val="000000"/>
+                </a:solidFill>
+                <a:effectLst/>
+                <a:latin typeface="Consolas" panose="020B0609020204030204" pitchFamily="49" charset="0"/>
+              </a:rPr>
+              <a:t>{</a:t>
             </a:r>
           </a:p>
           <a:p>
@@ -20974,15 +21054,62 @@
               <a:t>ShapeArray</a:t>
             </a:r>
             <a:r>
-              <a:rPr lang="en-US" sz="2000" b="0" dirty="0">
-                <a:solidFill>
-                  <a:srgbClr val="000000"/>
-                </a:solidFill>
-                <a:effectLst/>
-                <a:latin typeface="Consolas" panose="020B0609020204030204" pitchFamily="49" charset="0"/>
-              </a:rPr>
-              <a:t> {</a:t>
-            </a:r>
+              <a:rPr lang="en-US" sz="2000" b="0">
+                <a:solidFill>
+                  <a:srgbClr val="000000"/>
+                </a:solidFill>
+                <a:effectLst/>
+                <a:latin typeface="Consolas" panose="020B0609020204030204" pitchFamily="49" charset="0"/>
+              </a:rPr>
+              <a:t> </a:t>
+            </a:r>
+            <a:r>
+              <a:rPr lang="en-US" sz="2000" b="0">
+                <a:solidFill>
+                  <a:srgbClr val="0000FF"/>
+                </a:solidFill>
+                <a:effectLst/>
+                <a:latin typeface="Consolas" panose="020B0609020204030204" pitchFamily="49" charset="0"/>
+              </a:rPr>
+              <a:t>implements</a:t>
+            </a:r>
+            <a:r>
+              <a:rPr lang="en-US" sz="2000" b="0">
+                <a:solidFill>
+                  <a:srgbClr val="000000"/>
+                </a:solidFill>
+                <a:effectLst/>
+                <a:latin typeface="Consolas" panose="020B0609020204030204" pitchFamily="49" charset="0"/>
+              </a:rPr>
+              <a:t> </a:t>
+            </a:r>
+            <a:r>
+              <a:rPr lang="en-US" sz="2000" b="0">
+                <a:solidFill>
+                  <a:srgbClr val="267F99"/>
+                </a:solidFill>
+                <a:effectLst/>
+                <a:latin typeface="Consolas" panose="020B0609020204030204" pitchFamily="49" charset="0"/>
+              </a:rPr>
+              <a:t>Shape </a:t>
+            </a:r>
+            <a:r>
+              <a:rPr lang="en-US" sz="2000" b="0">
+                <a:solidFill>
+                  <a:srgbClr val="000000"/>
+                </a:solidFill>
+                <a:effectLst/>
+                <a:latin typeface="Consolas" panose="020B0609020204030204" pitchFamily="49" charset="0"/>
+              </a:rPr>
+              <a:t>{</a:t>
+            </a:r>
+            <a:endParaRPr lang="en-US" sz="2000" b="0" dirty="0">
+              <a:solidFill>
+                <a:srgbClr val="000000"/>
+              </a:solidFill>
+              <a:effectLst/>
+              <a:latin typeface="Consolas" panose="020B0609020204030204" pitchFamily="49" charset="0"/>
+            </a:endParaRPr>
           </a:p>
           <a:p>
             <a:r>

--- a/Slides/Lesson 1.3 Object-Oriented Principles.pptx
+++ b/Slides/Lesson 1.3 Object-Oriented Principles.pptx
@@ -270,7 +270,7 @@
           <a:p>
             <a:fld id="{7C7E5181-6CF5-45F7-A87A-E0E0B1FD7549}" type="datetimeFigureOut">
               <a:rPr lang="en-US" smtClean="0"/>
-              <a:t>1/19/2022</a:t>
+              <a:t>2/14/2022</a:t>
             </a:fld>
             <a:endParaRPr lang="en-US"/>
           </a:p>
@@ -5066,7 +5066,7 @@
           <a:p>
             <a:fld id="{5D2A64DE-480B-420F-9649-4F8E696E08E0}" type="datetime1">
               <a:rPr lang="en-US" smtClean="0"/>
-              <a:t>1/19/2022</a:t>
+              <a:t>2/14/2022</a:t>
             </a:fld>
             <a:endParaRPr lang="en-US"/>
           </a:p>
@@ -5390,7 +5390,7 @@
           <a:p>
             <a:fld id="{EA476A42-A091-4468-A075-64A31BE59948}" type="datetime1">
               <a:rPr lang="en-US" smtClean="0"/>
-              <a:t>1/19/2022</a:t>
+              <a:t>2/14/2022</a:t>
             </a:fld>
             <a:endParaRPr lang="en-US"/>
           </a:p>
@@ -5588,7 +5588,7 @@
           <a:p>
             <a:fld id="{0D3616D0-8311-4107-9726-6B805E7D05BA}" type="datetime1">
               <a:rPr lang="en-US" smtClean="0"/>
-              <a:t>1/19/2022</a:t>
+              <a:t>2/14/2022</a:t>
             </a:fld>
             <a:endParaRPr lang="en-US"/>
           </a:p>
@@ -5796,7 +5796,7 @@
           <a:p>
             <a:fld id="{3BC2557A-5C88-417A-A763-5AC779462A5F}" type="datetime1">
               <a:rPr lang="en-US" smtClean="0"/>
-              <a:t>1/19/2022</a:t>
+              <a:t>2/14/2022</a:t>
             </a:fld>
             <a:endParaRPr lang="en-US"/>
           </a:p>
@@ -6320,7 +6320,7 @@
           <a:p>
             <a:fld id="{07C7BFD4-467E-4EDE-93EA-052F5B39A4E5}" type="datetime1">
               <a:rPr lang="en-US" smtClean="0"/>
-              <a:t>1/19/2022</a:t>
+              <a:t>2/14/2022</a:t>
             </a:fld>
             <a:endParaRPr lang="en-US"/>
           </a:p>
@@ -6570,7 +6570,7 @@
           <a:p>
             <a:fld id="{07C7BFD4-467E-4EDE-93EA-052F5B39A4E5}" type="datetime1">
               <a:rPr lang="en-US" smtClean="0"/>
-              <a:t>1/19/2022</a:t>
+              <a:t>2/14/2022</a:t>
             </a:fld>
             <a:endParaRPr lang="en-US"/>
           </a:p>
@@ -6883,7 +6883,7 @@
           <a:p>
             <a:fld id="{A533CBE2-D5BE-47AC-ADC2-9CDFC1D0CF90}" type="datetime1">
               <a:rPr lang="en-US" smtClean="0"/>
-              <a:t>1/19/2022</a:t>
+              <a:t>2/14/2022</a:t>
             </a:fld>
             <a:endParaRPr lang="en-US"/>
           </a:p>
@@ -7184,7 +7184,7 @@
           <a:p>
             <a:fld id="{39B7EDB1-CE74-4951-85A2-0B01C2128E28}" type="datetime1">
               <a:rPr lang="en-US" smtClean="0"/>
-              <a:t>1/19/2022</a:t>
+              <a:t>2/14/2022</a:t>
             </a:fld>
             <a:endParaRPr lang="en-US"/>
           </a:p>
@@ -7632,7 +7632,7 @@
           <a:p>
             <a:fld id="{2BC7EB92-A5C2-4807-A9DC-9EDE6CBFB241}" type="datetime1">
               <a:rPr lang="en-US" smtClean="0"/>
-              <a:t>1/19/2022</a:t>
+              <a:t>2/14/2022</a:t>
             </a:fld>
             <a:endParaRPr lang="en-US"/>
           </a:p>
@@ -7778,7 +7778,7 @@
           <a:p>
             <a:fld id="{109E55A0-C911-4F03-82FC-7E5926047D46}" type="datetime1">
               <a:rPr lang="en-US" smtClean="0"/>
-              <a:t>1/19/2022</a:t>
+              <a:t>2/14/2022</a:t>
             </a:fld>
             <a:endParaRPr lang="en-US"/>
           </a:p>
@@ -7927,7 +7927,7 @@
           <a:p>
             <a:fld id="{2B7B7EE0-7771-4CD5-9B2B-3550753A54A1}" type="datetime1">
               <a:rPr lang="en-US" smtClean="0"/>
-              <a:t>1/19/2022</a:t>
+              <a:t>2/14/2022</a:t>
             </a:fld>
             <a:endParaRPr lang="en-US"/>
           </a:p>
@@ -8238,7 +8238,7 @@
           <a:p>
             <a:fld id="{F8B318B3-0E87-4416-A9B8-D891968C2727}" type="datetime1">
               <a:rPr lang="en-US" smtClean="0"/>
-              <a:t>1/19/2022</a:t>
+              <a:t>2/14/2022</a:t>
             </a:fld>
             <a:endParaRPr lang="en-US"/>
           </a:p>
@@ -8479,7 +8479,7 @@
           <a:p>
             <a:fld id="{54D997E8-DDEE-43F1-8D9B-F8A1E11DE488}" type="datetime1">
               <a:rPr lang="en-US" smtClean="0"/>
-              <a:t>1/19/2022</a:t>
+              <a:t>2/14/2022</a:t>
             </a:fld>
             <a:endParaRPr lang="en-US"/>
           </a:p>
@@ -8924,10 +8924,16 @@
           <a:lstStyle/>
           <a:p>
             <a:r>
+              <a:rPr lang="en-US" altLang="en-US" sz="3200">
+                <a:sym typeface="Helvetica Neue" charset="0"/>
+              </a:rPr>
+              <a:t>CS 4530</a:t>
+            </a:r>
+            <a:r>
               <a:rPr lang="en-US" altLang="en-US" sz="3200" dirty="0">
                 <a:sym typeface="Helvetica Neue" charset="0"/>
               </a:rPr>
-              <a:t>CS 4350: Fundamentals of Software Engineering</a:t>
+              <a:t>: Fundamentals of Software Engineering</a:t>
             </a:r>
             <a:br>
               <a:rPr lang="en-US" altLang="en-US" sz="3200" dirty="0">
